--- a/chaitanya/Solution.pptx
+++ b/chaitanya/Solution.pptx
@@ -6,6 +6,7 @@
   </p:sldMasterIdLst>
   <p:sldIdLst>
     <p:sldId id="256" r:id="rId2"/>
+    <p:sldId id="257" r:id="rId3"/>
   </p:sldIdLst>
   <p:sldSz cx="12192000" cy="6858000"/>
   <p:notesSz cx="6858000" cy="9144000"/>
@@ -104,6 +105,11 @@
       </a:defRPr>
     </a:lvl9pPr>
   </p:defaultTextStyle>
+  <p:extLst>
+    <p:ext uri="{EFAFB233-063F-42B5-8137-9DF3F51BA10A}">
+      <p15:sldGuideLst xmlns:p15="http://schemas.microsoft.com/office/powerpoint/2012/main"/>
+    </p:ext>
+  </p:extLst>
 </p:presentation>
 </file>
 
@@ -254,7 +260,7 @@
           <a:p>
             <a:fld id="{07F680EA-6941-7948-8350-2A1A3FE18DBE}" type="datetimeFigureOut">
               <a:rPr lang="en-US" smtClean="0"/>
-              <a:t>5/31/19</a:t>
+              <a:t>6/3/19</a:t>
             </a:fld>
             <a:endParaRPr lang="en-US"/>
           </a:p>
@@ -452,7 +458,7 @@
           <a:p>
             <a:fld id="{07F680EA-6941-7948-8350-2A1A3FE18DBE}" type="datetimeFigureOut">
               <a:rPr lang="en-US" smtClean="0"/>
-              <a:t>5/31/19</a:t>
+              <a:t>6/3/19</a:t>
             </a:fld>
             <a:endParaRPr lang="en-US"/>
           </a:p>
@@ -660,7 +666,7 @@
           <a:p>
             <a:fld id="{07F680EA-6941-7948-8350-2A1A3FE18DBE}" type="datetimeFigureOut">
               <a:rPr lang="en-US" smtClean="0"/>
-              <a:t>5/31/19</a:t>
+              <a:t>6/3/19</a:t>
             </a:fld>
             <a:endParaRPr lang="en-US"/>
           </a:p>
@@ -858,7 +864,7 @@
           <a:p>
             <a:fld id="{07F680EA-6941-7948-8350-2A1A3FE18DBE}" type="datetimeFigureOut">
               <a:rPr lang="en-US" smtClean="0"/>
-              <a:t>5/31/19</a:t>
+              <a:t>6/3/19</a:t>
             </a:fld>
             <a:endParaRPr lang="en-US"/>
           </a:p>
@@ -1133,7 +1139,7 @@
           <a:p>
             <a:fld id="{07F680EA-6941-7948-8350-2A1A3FE18DBE}" type="datetimeFigureOut">
               <a:rPr lang="en-US" smtClean="0"/>
-              <a:t>5/31/19</a:t>
+              <a:t>6/3/19</a:t>
             </a:fld>
             <a:endParaRPr lang="en-US"/>
           </a:p>
@@ -1398,7 +1404,7 @@
           <a:p>
             <a:fld id="{07F680EA-6941-7948-8350-2A1A3FE18DBE}" type="datetimeFigureOut">
               <a:rPr lang="en-US" smtClean="0"/>
-              <a:t>5/31/19</a:t>
+              <a:t>6/3/19</a:t>
             </a:fld>
             <a:endParaRPr lang="en-US"/>
           </a:p>
@@ -1810,7 +1816,7 @@
           <a:p>
             <a:fld id="{07F680EA-6941-7948-8350-2A1A3FE18DBE}" type="datetimeFigureOut">
               <a:rPr lang="en-US" smtClean="0"/>
-              <a:t>5/31/19</a:t>
+              <a:t>6/3/19</a:t>
             </a:fld>
             <a:endParaRPr lang="en-US"/>
           </a:p>
@@ -1951,7 +1957,7 @@
           <a:p>
             <a:fld id="{07F680EA-6941-7948-8350-2A1A3FE18DBE}" type="datetimeFigureOut">
               <a:rPr lang="en-US" smtClean="0"/>
-              <a:t>5/31/19</a:t>
+              <a:t>6/3/19</a:t>
             </a:fld>
             <a:endParaRPr lang="en-US"/>
           </a:p>
@@ -2064,7 +2070,7 @@
           <a:p>
             <a:fld id="{07F680EA-6941-7948-8350-2A1A3FE18DBE}" type="datetimeFigureOut">
               <a:rPr lang="en-US" smtClean="0"/>
-              <a:t>5/31/19</a:t>
+              <a:t>6/3/19</a:t>
             </a:fld>
             <a:endParaRPr lang="en-US"/>
           </a:p>
@@ -2375,7 +2381,7 @@
           <a:p>
             <a:fld id="{07F680EA-6941-7948-8350-2A1A3FE18DBE}" type="datetimeFigureOut">
               <a:rPr lang="en-US" smtClean="0"/>
-              <a:t>5/31/19</a:t>
+              <a:t>6/3/19</a:t>
             </a:fld>
             <a:endParaRPr lang="en-US"/>
           </a:p>
@@ -2663,7 +2669,7 @@
           <a:p>
             <a:fld id="{07F680EA-6941-7948-8350-2A1A3FE18DBE}" type="datetimeFigureOut">
               <a:rPr lang="en-US" smtClean="0"/>
-              <a:t>5/31/19</a:t>
+              <a:t>6/3/19</a:t>
             </a:fld>
             <a:endParaRPr lang="en-US"/>
           </a:p>
@@ -2904,7 +2910,7 @@
           <a:p>
             <a:fld id="{07F680EA-6941-7948-8350-2A1A3FE18DBE}" type="datetimeFigureOut">
               <a:rPr lang="en-US" smtClean="0"/>
-              <a:t>5/31/19</a:t>
+              <a:t>6/3/19</a:t>
             </a:fld>
             <a:endParaRPr lang="en-US"/>
           </a:p>
@@ -5008,6 +5014,1964 @@
 </p:sld>
 </file>
 
+<file path=ppt/slides/slide2.xml><?xml version="1.0" encoding="utf-8"?>
+<p:sld xmlns:a="http://schemas.openxmlformats.org/drawingml/2006/main" xmlns:r="http://schemas.openxmlformats.org/officeDocument/2006/relationships" xmlns:p="http://schemas.openxmlformats.org/presentationml/2006/main">
+  <p:cSld>
+    <p:spTree>
+      <p:nvGrpSpPr>
+        <p:cNvPr id="1" name=""/>
+        <p:cNvGrpSpPr/>
+        <p:nvPr/>
+      </p:nvGrpSpPr>
+      <p:grpSpPr>
+        <a:xfrm>
+          <a:off x="0" y="0"/>
+          <a:ext cx="0" cy="0"/>
+          <a:chOff x="0" y="0"/>
+          <a:chExt cx="0" cy="0"/>
+        </a:xfrm>
+      </p:grpSpPr>
+      <p:sp>
+        <p:nvSpPr>
+          <p:cNvPr id="2" name="Title 1">
+            <a:extLst>
+              <a:ext uri="{FF2B5EF4-FFF2-40B4-BE49-F238E27FC236}">
+                <a16:creationId xmlns:a16="http://schemas.microsoft.com/office/drawing/2014/main" id="{22E920DC-9DBB-004C-91D2-DF4140BFC110}"/>
+              </a:ext>
+            </a:extLst>
+          </p:cNvPr>
+          <p:cNvSpPr>
+            <a:spLocks noGrp="1"/>
+          </p:cNvSpPr>
+          <p:nvPr>
+            <p:ph type="title"/>
+          </p:nvPr>
+        </p:nvSpPr>
+        <p:spPr/>
+        <p:txBody>
+          <a:bodyPr/>
+          <a:lstStyle/>
+          <a:p>
+            <a:r>
+              <a:rPr lang="en-US" dirty="0"/>
+              <a:t>Private Repos</a:t>
+            </a:r>
+          </a:p>
+        </p:txBody>
+      </p:sp>
+      <p:sp>
+        <p:nvSpPr>
+          <p:cNvPr id="4" name="Snip Single Corner Rectangle 3">
+            <a:extLst>
+              <a:ext uri="{FF2B5EF4-FFF2-40B4-BE49-F238E27FC236}">
+                <a16:creationId xmlns:a16="http://schemas.microsoft.com/office/drawing/2014/main" id="{8C9BE56B-E1C8-7D4F-ABA9-2A218A11CBBF}"/>
+              </a:ext>
+            </a:extLst>
+          </p:cNvPr>
+          <p:cNvSpPr/>
+          <p:nvPr/>
+        </p:nvSpPr>
+        <p:spPr>
+          <a:xfrm>
+            <a:off x="838200" y="1690688"/>
+            <a:ext cx="1276350" cy="315912"/>
+          </a:xfrm>
+          <a:prstGeom prst="snip1Rect">
+            <a:avLst/>
+          </a:prstGeom>
+        </p:spPr>
+        <p:style>
+          <a:lnRef idx="2">
+            <a:schemeClr val="accent1">
+              <a:shade val="50000"/>
+            </a:schemeClr>
+          </a:lnRef>
+          <a:fillRef idx="1">
+            <a:schemeClr val="accent1"/>
+          </a:fillRef>
+          <a:effectRef idx="0">
+            <a:schemeClr val="accent1"/>
+          </a:effectRef>
+          <a:fontRef idx="minor">
+            <a:schemeClr val="lt1"/>
+          </a:fontRef>
+        </p:style>
+        <p:txBody>
+          <a:bodyPr rtlCol="0" anchor="ctr"/>
+          <a:lstStyle/>
+          <a:p>
+            <a:pPr algn="ctr"/>
+            <a:r>
+              <a:rPr lang="en-US" sz="1100" dirty="0"/>
+              <a:t>private_repo.txt</a:t>
+            </a:r>
+          </a:p>
+        </p:txBody>
+      </p:sp>
+      <p:sp>
+        <p:nvSpPr>
+          <p:cNvPr id="5" name="Round Single Corner Rectangle 4">
+            <a:extLst>
+              <a:ext uri="{FF2B5EF4-FFF2-40B4-BE49-F238E27FC236}">
+                <a16:creationId xmlns:a16="http://schemas.microsoft.com/office/drawing/2014/main" id="{9408337E-3ADA-3948-9A5A-1C8CEA54939E}"/>
+              </a:ext>
+            </a:extLst>
+          </p:cNvPr>
+          <p:cNvSpPr/>
+          <p:nvPr/>
+        </p:nvSpPr>
+        <p:spPr>
+          <a:xfrm>
+            <a:off x="2515456" y="1690688"/>
+            <a:ext cx="2546101" cy="336410"/>
+          </a:xfrm>
+          <a:prstGeom prst="round1Rect">
+            <a:avLst/>
+          </a:prstGeom>
+        </p:spPr>
+        <p:style>
+          <a:lnRef idx="2">
+            <a:schemeClr val="accent1">
+              <a:shade val="50000"/>
+            </a:schemeClr>
+          </a:lnRef>
+          <a:fillRef idx="1">
+            <a:schemeClr val="accent1"/>
+          </a:fillRef>
+          <a:effectRef idx="0">
+            <a:schemeClr val="accent1"/>
+          </a:effectRef>
+          <a:fontRef idx="minor">
+            <a:schemeClr val="lt1"/>
+          </a:fontRef>
+        </p:style>
+        <p:txBody>
+          <a:bodyPr rtlCol="0" anchor="ctr"/>
+          <a:lstStyle/>
+          <a:p>
+            <a:pPr algn="ctr"/>
+            <a:r>
+              <a:rPr lang="en-US" sz="1200" dirty="0"/>
+              <a:t>Verify If Master branch is cloned </a:t>
+            </a:r>
+          </a:p>
+        </p:txBody>
+      </p:sp>
+      <p:sp>
+        <p:nvSpPr>
+          <p:cNvPr id="6" name="Round Single Corner Rectangle 5">
+            <a:extLst>
+              <a:ext uri="{FF2B5EF4-FFF2-40B4-BE49-F238E27FC236}">
+                <a16:creationId xmlns:a16="http://schemas.microsoft.com/office/drawing/2014/main" id="{9CE05C31-437C-3C4C-ADCA-9713FEA7CD27}"/>
+              </a:ext>
+            </a:extLst>
+          </p:cNvPr>
+          <p:cNvSpPr/>
+          <p:nvPr/>
+        </p:nvSpPr>
+        <p:spPr>
+          <a:xfrm>
+            <a:off x="2686905" y="3192313"/>
+            <a:ext cx="2546101" cy="336410"/>
+          </a:xfrm>
+          <a:prstGeom prst="round1Rect">
+            <a:avLst/>
+          </a:prstGeom>
+        </p:spPr>
+        <p:style>
+          <a:lnRef idx="2">
+            <a:schemeClr val="accent1">
+              <a:shade val="50000"/>
+            </a:schemeClr>
+          </a:lnRef>
+          <a:fillRef idx="1">
+            <a:schemeClr val="accent1"/>
+          </a:fillRef>
+          <a:effectRef idx="0">
+            <a:schemeClr val="accent1"/>
+          </a:effectRef>
+          <a:fontRef idx="minor">
+            <a:schemeClr val="lt1"/>
+          </a:fontRef>
+        </p:style>
+        <p:txBody>
+          <a:bodyPr rtlCol="0" anchor="ctr"/>
+          <a:lstStyle/>
+          <a:p>
+            <a:pPr algn="ctr"/>
+            <a:r>
+              <a:rPr lang="en-US" sz="1200" dirty="0"/>
+              <a:t>2. Go to Master branch and do git pull and fetch child branches </a:t>
+            </a:r>
+          </a:p>
+        </p:txBody>
+      </p:sp>
+      <p:sp>
+        <p:nvSpPr>
+          <p:cNvPr id="7" name="Round Single Corner Rectangle 6">
+            <a:extLst>
+              <a:ext uri="{FF2B5EF4-FFF2-40B4-BE49-F238E27FC236}">
+                <a16:creationId xmlns:a16="http://schemas.microsoft.com/office/drawing/2014/main" id="{56D3D160-61B3-C745-A8F0-2DF92CB76A1E}"/>
+              </a:ext>
+            </a:extLst>
+          </p:cNvPr>
+          <p:cNvSpPr/>
+          <p:nvPr/>
+        </p:nvSpPr>
+        <p:spPr>
+          <a:xfrm>
+            <a:off x="2686906" y="2776678"/>
+            <a:ext cx="2546101" cy="336410"/>
+          </a:xfrm>
+          <a:prstGeom prst="round1Rect">
+            <a:avLst/>
+          </a:prstGeom>
+        </p:spPr>
+        <p:style>
+          <a:lnRef idx="2">
+            <a:schemeClr val="accent1">
+              <a:shade val="50000"/>
+            </a:schemeClr>
+          </a:lnRef>
+          <a:fillRef idx="1">
+            <a:schemeClr val="accent1"/>
+          </a:fillRef>
+          <a:effectRef idx="0">
+            <a:schemeClr val="accent1"/>
+          </a:effectRef>
+          <a:fontRef idx="minor">
+            <a:schemeClr val="lt1"/>
+          </a:fontRef>
+        </p:style>
+        <p:txBody>
+          <a:bodyPr rtlCol="0" anchor="ctr"/>
+          <a:lstStyle/>
+          <a:p>
+            <a:pPr algn="ctr"/>
+            <a:r>
+              <a:rPr lang="en-US" sz="1200" dirty="0"/>
+              <a:t>1. Clone Master </a:t>
+            </a:r>
+          </a:p>
+        </p:txBody>
+      </p:sp>
+      <p:sp>
+        <p:nvSpPr>
+          <p:cNvPr id="8" name="Round Single Corner Rectangle 7">
+            <a:extLst>
+              <a:ext uri="{FF2B5EF4-FFF2-40B4-BE49-F238E27FC236}">
+                <a16:creationId xmlns:a16="http://schemas.microsoft.com/office/drawing/2014/main" id="{272E301D-A788-E04A-91A5-4B659EA17C2E}"/>
+              </a:ext>
+            </a:extLst>
+          </p:cNvPr>
+          <p:cNvSpPr/>
+          <p:nvPr/>
+        </p:nvSpPr>
+        <p:spPr>
+          <a:xfrm>
+            <a:off x="2686904" y="3608742"/>
+            <a:ext cx="2546101" cy="336410"/>
+          </a:xfrm>
+          <a:prstGeom prst="round1Rect">
+            <a:avLst/>
+          </a:prstGeom>
+        </p:spPr>
+        <p:style>
+          <a:lnRef idx="2">
+            <a:schemeClr val="accent1">
+              <a:shade val="50000"/>
+            </a:schemeClr>
+          </a:lnRef>
+          <a:fillRef idx="1">
+            <a:schemeClr val="accent1"/>
+          </a:fillRef>
+          <a:effectRef idx="0">
+            <a:schemeClr val="accent1"/>
+          </a:effectRef>
+          <a:fontRef idx="minor">
+            <a:schemeClr val="lt1"/>
+          </a:fontRef>
+        </p:style>
+        <p:txBody>
+          <a:bodyPr rtlCol="0" anchor="ctr"/>
+          <a:lstStyle/>
+          <a:p>
+            <a:pPr algn="ctr"/>
+            <a:r>
+              <a:rPr lang="en-US" sz="1200" dirty="0"/>
+              <a:t>3. Check the Non Master Branches already exit or not </a:t>
+            </a:r>
+          </a:p>
+        </p:txBody>
+      </p:sp>
+      <p:sp>
+        <p:nvSpPr>
+          <p:cNvPr id="9" name="Diamond 8">
+            <a:extLst>
+              <a:ext uri="{FF2B5EF4-FFF2-40B4-BE49-F238E27FC236}">
+                <a16:creationId xmlns:a16="http://schemas.microsoft.com/office/drawing/2014/main" id="{E3DCD9B6-E37D-2D4F-8C63-414A757B5D96}"/>
+              </a:ext>
+            </a:extLst>
+          </p:cNvPr>
+          <p:cNvSpPr/>
+          <p:nvPr/>
+        </p:nvSpPr>
+        <p:spPr>
+          <a:xfrm>
+            <a:off x="5391150" y="1690688"/>
+            <a:ext cx="361950" cy="495654"/>
+          </a:xfrm>
+          <a:prstGeom prst="diamond">
+            <a:avLst/>
+          </a:prstGeom>
+        </p:spPr>
+        <p:style>
+          <a:lnRef idx="2">
+            <a:schemeClr val="accent1">
+              <a:shade val="50000"/>
+            </a:schemeClr>
+          </a:lnRef>
+          <a:fillRef idx="1">
+            <a:schemeClr val="accent1"/>
+          </a:fillRef>
+          <a:effectRef idx="0">
+            <a:schemeClr val="accent1"/>
+          </a:effectRef>
+          <a:fontRef idx="minor">
+            <a:schemeClr val="lt1"/>
+          </a:fontRef>
+        </p:style>
+        <p:txBody>
+          <a:bodyPr rtlCol="0" anchor="ctr"/>
+          <a:lstStyle/>
+          <a:p>
+            <a:pPr algn="ctr"/>
+            <a:r>
+              <a:rPr lang="en-US" sz="800" dirty="0"/>
+              <a:t>YES</a:t>
+            </a:r>
+          </a:p>
+        </p:txBody>
+      </p:sp>
+      <p:sp>
+        <p:nvSpPr>
+          <p:cNvPr id="11" name="Diamond 10">
+            <a:extLst>
+              <a:ext uri="{FF2B5EF4-FFF2-40B4-BE49-F238E27FC236}">
+                <a16:creationId xmlns:a16="http://schemas.microsoft.com/office/drawing/2014/main" id="{0002C201-3CC3-4942-91C7-0C67E80EEE47}"/>
+              </a:ext>
+            </a:extLst>
+          </p:cNvPr>
+          <p:cNvSpPr/>
+          <p:nvPr/>
+        </p:nvSpPr>
+        <p:spPr>
+          <a:xfrm>
+            <a:off x="3848100" y="2186342"/>
+            <a:ext cx="361950" cy="495654"/>
+          </a:xfrm>
+          <a:prstGeom prst="diamond">
+            <a:avLst/>
+          </a:prstGeom>
+        </p:spPr>
+        <p:style>
+          <a:lnRef idx="2">
+            <a:schemeClr val="accent1">
+              <a:shade val="50000"/>
+            </a:schemeClr>
+          </a:lnRef>
+          <a:fillRef idx="1">
+            <a:schemeClr val="accent1"/>
+          </a:fillRef>
+          <a:effectRef idx="0">
+            <a:schemeClr val="accent1"/>
+          </a:effectRef>
+          <a:fontRef idx="minor">
+            <a:schemeClr val="lt1"/>
+          </a:fontRef>
+        </p:style>
+        <p:txBody>
+          <a:bodyPr rtlCol="0" anchor="ctr"/>
+          <a:lstStyle/>
+          <a:p>
+            <a:pPr algn="ctr"/>
+            <a:r>
+              <a:rPr lang="en-US" sz="800" dirty="0"/>
+              <a:t>NO</a:t>
+            </a:r>
+          </a:p>
+        </p:txBody>
+      </p:sp>
+      <p:sp>
+        <p:nvSpPr>
+          <p:cNvPr id="12" name="Round Single Corner Rectangle 11">
+            <a:extLst>
+              <a:ext uri="{FF2B5EF4-FFF2-40B4-BE49-F238E27FC236}">
+                <a16:creationId xmlns:a16="http://schemas.microsoft.com/office/drawing/2014/main" id="{595D4404-9559-3C4A-A0D9-06C877993BEA}"/>
+              </a:ext>
+            </a:extLst>
+          </p:cNvPr>
+          <p:cNvSpPr/>
+          <p:nvPr/>
+        </p:nvSpPr>
+        <p:spPr>
+          <a:xfrm>
+            <a:off x="6082694" y="1759435"/>
+            <a:ext cx="2546101" cy="336410"/>
+          </a:xfrm>
+          <a:prstGeom prst="round1Rect">
+            <a:avLst/>
+          </a:prstGeom>
+        </p:spPr>
+        <p:style>
+          <a:lnRef idx="2">
+            <a:schemeClr val="accent1">
+              <a:shade val="50000"/>
+            </a:schemeClr>
+          </a:lnRef>
+          <a:fillRef idx="1">
+            <a:schemeClr val="accent1"/>
+          </a:fillRef>
+          <a:effectRef idx="0">
+            <a:schemeClr val="accent1"/>
+          </a:effectRef>
+          <a:fontRef idx="minor">
+            <a:schemeClr val="lt1"/>
+          </a:fontRef>
+        </p:style>
+        <p:txBody>
+          <a:bodyPr rtlCol="0" anchor="ctr"/>
+          <a:lstStyle/>
+          <a:p>
+            <a:pPr algn="ctr"/>
+            <a:r>
+              <a:rPr lang="en-US" sz="1200" dirty="0"/>
+              <a:t>2. Go to Master branch and do git pull and fetch updated child branches </a:t>
+            </a:r>
+          </a:p>
+        </p:txBody>
+      </p:sp>
+      <p:sp>
+        <p:nvSpPr>
+          <p:cNvPr id="13" name="Round Single Corner Rectangle 12">
+            <a:extLst>
+              <a:ext uri="{FF2B5EF4-FFF2-40B4-BE49-F238E27FC236}">
+                <a16:creationId xmlns:a16="http://schemas.microsoft.com/office/drawing/2014/main" id="{B7F2CA66-D739-1D4C-BF80-EA25CAC22C34}"/>
+              </a:ext>
+            </a:extLst>
+          </p:cNvPr>
+          <p:cNvSpPr/>
+          <p:nvPr/>
+        </p:nvSpPr>
+        <p:spPr>
+          <a:xfrm>
+            <a:off x="6082695" y="1343800"/>
+            <a:ext cx="2546101" cy="336410"/>
+          </a:xfrm>
+          <a:prstGeom prst="round1Rect">
+            <a:avLst/>
+          </a:prstGeom>
+        </p:spPr>
+        <p:style>
+          <a:lnRef idx="2">
+            <a:schemeClr val="accent1">
+              <a:shade val="50000"/>
+            </a:schemeClr>
+          </a:lnRef>
+          <a:fillRef idx="1">
+            <a:schemeClr val="accent1"/>
+          </a:fillRef>
+          <a:effectRef idx="0">
+            <a:schemeClr val="accent1"/>
+          </a:effectRef>
+          <a:fontRef idx="minor">
+            <a:schemeClr val="lt1"/>
+          </a:fontRef>
+        </p:style>
+        <p:txBody>
+          <a:bodyPr rtlCol="0" anchor="ctr"/>
+          <a:lstStyle/>
+          <a:p>
+            <a:pPr algn="ctr"/>
+            <a:r>
+              <a:rPr lang="en-US" sz="1200" dirty="0"/>
+              <a:t>1. CD ”Master Branch Folder” and do git pull </a:t>
+            </a:r>
+          </a:p>
+        </p:txBody>
+      </p:sp>
+      <p:sp>
+        <p:nvSpPr>
+          <p:cNvPr id="14" name="Round Single Corner Rectangle 13">
+            <a:extLst>
+              <a:ext uri="{FF2B5EF4-FFF2-40B4-BE49-F238E27FC236}">
+                <a16:creationId xmlns:a16="http://schemas.microsoft.com/office/drawing/2014/main" id="{700F7117-4BDA-9444-96AE-0959CFC50963}"/>
+              </a:ext>
+            </a:extLst>
+          </p:cNvPr>
+          <p:cNvSpPr/>
+          <p:nvPr/>
+        </p:nvSpPr>
+        <p:spPr>
+          <a:xfrm>
+            <a:off x="6082693" y="2175864"/>
+            <a:ext cx="2546101" cy="336410"/>
+          </a:xfrm>
+          <a:prstGeom prst="round1Rect">
+            <a:avLst/>
+          </a:prstGeom>
+        </p:spPr>
+        <p:style>
+          <a:lnRef idx="2">
+            <a:schemeClr val="accent1">
+              <a:shade val="50000"/>
+            </a:schemeClr>
+          </a:lnRef>
+          <a:fillRef idx="1">
+            <a:schemeClr val="accent1"/>
+          </a:fillRef>
+          <a:effectRef idx="0">
+            <a:schemeClr val="accent1"/>
+          </a:effectRef>
+          <a:fontRef idx="minor">
+            <a:schemeClr val="lt1"/>
+          </a:fontRef>
+        </p:style>
+        <p:txBody>
+          <a:bodyPr rtlCol="0" anchor="ctr"/>
+          <a:lstStyle/>
+          <a:p>
+            <a:pPr algn="ctr"/>
+            <a:r>
+              <a:rPr lang="en-US" sz="1200" dirty="0"/>
+              <a:t>3. Check the Non Master Branches already exit or not </a:t>
+            </a:r>
+          </a:p>
+        </p:txBody>
+      </p:sp>
+      <p:sp>
+        <p:nvSpPr>
+          <p:cNvPr id="15" name="Diamond 14">
+            <a:extLst>
+              <a:ext uri="{FF2B5EF4-FFF2-40B4-BE49-F238E27FC236}">
+                <a16:creationId xmlns:a16="http://schemas.microsoft.com/office/drawing/2014/main" id="{D05630F0-4D89-F248-BCBD-96E6AEF7CDCF}"/>
+              </a:ext>
+            </a:extLst>
+          </p:cNvPr>
+          <p:cNvSpPr/>
+          <p:nvPr/>
+        </p:nvSpPr>
+        <p:spPr>
+          <a:xfrm>
+            <a:off x="8777412" y="2115240"/>
+            <a:ext cx="361950" cy="495654"/>
+          </a:xfrm>
+          <a:prstGeom prst="diamond">
+            <a:avLst/>
+          </a:prstGeom>
+        </p:spPr>
+        <p:style>
+          <a:lnRef idx="2">
+            <a:schemeClr val="accent1">
+              <a:shade val="50000"/>
+            </a:schemeClr>
+          </a:lnRef>
+          <a:fillRef idx="1">
+            <a:schemeClr val="accent1"/>
+          </a:fillRef>
+          <a:effectRef idx="0">
+            <a:schemeClr val="accent1"/>
+          </a:effectRef>
+          <a:fontRef idx="minor">
+            <a:schemeClr val="lt1"/>
+          </a:fontRef>
+        </p:style>
+        <p:txBody>
+          <a:bodyPr rtlCol="0" anchor="ctr"/>
+          <a:lstStyle/>
+          <a:p>
+            <a:pPr algn="ctr"/>
+            <a:r>
+              <a:rPr lang="en-US" sz="800" dirty="0"/>
+              <a:t>YES</a:t>
+            </a:r>
+          </a:p>
+        </p:txBody>
+      </p:sp>
+      <p:sp>
+        <p:nvSpPr>
+          <p:cNvPr id="16" name="Round Single Corner Rectangle 15">
+            <a:extLst>
+              <a:ext uri="{FF2B5EF4-FFF2-40B4-BE49-F238E27FC236}">
+                <a16:creationId xmlns:a16="http://schemas.microsoft.com/office/drawing/2014/main" id="{F8EDC6C6-F5EE-8040-BF0F-2E81B7F64E04}"/>
+              </a:ext>
+            </a:extLst>
+          </p:cNvPr>
+          <p:cNvSpPr/>
+          <p:nvPr/>
+        </p:nvSpPr>
+        <p:spPr>
+          <a:xfrm>
+            <a:off x="9287980" y="2116159"/>
+            <a:ext cx="2546101" cy="336410"/>
+          </a:xfrm>
+          <a:prstGeom prst="round1Rect">
+            <a:avLst/>
+          </a:prstGeom>
+        </p:spPr>
+        <p:style>
+          <a:lnRef idx="2">
+            <a:schemeClr val="accent1">
+              <a:shade val="50000"/>
+            </a:schemeClr>
+          </a:lnRef>
+          <a:fillRef idx="1">
+            <a:schemeClr val="accent1"/>
+          </a:fillRef>
+          <a:effectRef idx="0">
+            <a:schemeClr val="accent1"/>
+          </a:effectRef>
+          <a:fontRef idx="minor">
+            <a:schemeClr val="lt1"/>
+          </a:fontRef>
+        </p:style>
+        <p:txBody>
+          <a:bodyPr rtlCol="0" anchor="ctr"/>
+          <a:lstStyle/>
+          <a:p>
+            <a:pPr algn="ctr"/>
+            <a:r>
+              <a:rPr lang="en-US" sz="1200" dirty="0"/>
+              <a:t>3.1 cd “</a:t>
+            </a:r>
+            <a:r>
+              <a:rPr lang="en-US" sz="1200" dirty="0" err="1"/>
+              <a:t>Branchfolder</a:t>
+            </a:r>
+            <a:r>
+              <a:rPr lang="en-US" sz="1200" dirty="0"/>
+              <a:t>” and do git pull </a:t>
+            </a:r>
+          </a:p>
+        </p:txBody>
+      </p:sp>
+      <p:sp>
+        <p:nvSpPr>
+          <p:cNvPr id="17" name="Round Single Corner Rectangle 16">
+            <a:extLst>
+              <a:ext uri="{FF2B5EF4-FFF2-40B4-BE49-F238E27FC236}">
+                <a16:creationId xmlns:a16="http://schemas.microsoft.com/office/drawing/2014/main" id="{D950C705-CF23-1149-A55E-F72C99F1438C}"/>
+              </a:ext>
+            </a:extLst>
+          </p:cNvPr>
+          <p:cNvSpPr/>
+          <p:nvPr/>
+        </p:nvSpPr>
+        <p:spPr>
+          <a:xfrm>
+            <a:off x="6152791" y="3192313"/>
+            <a:ext cx="2546101" cy="336410"/>
+          </a:xfrm>
+          <a:prstGeom prst="round1Rect">
+            <a:avLst/>
+          </a:prstGeom>
+        </p:spPr>
+        <p:style>
+          <a:lnRef idx="2">
+            <a:schemeClr val="accent1">
+              <a:shade val="50000"/>
+            </a:schemeClr>
+          </a:lnRef>
+          <a:fillRef idx="1">
+            <a:schemeClr val="accent1"/>
+          </a:fillRef>
+          <a:effectRef idx="0">
+            <a:schemeClr val="accent1"/>
+          </a:effectRef>
+          <a:fontRef idx="minor">
+            <a:schemeClr val="lt1"/>
+          </a:fontRef>
+        </p:style>
+        <p:txBody>
+          <a:bodyPr rtlCol="0" anchor="ctr"/>
+          <a:lstStyle/>
+          <a:p>
+            <a:pPr algn="ctr"/>
+            <a:r>
+              <a:rPr lang="en-US" sz="1200" dirty="0"/>
+              <a:t>3.2 git clone repo –b $</a:t>
+            </a:r>
+            <a:r>
+              <a:rPr lang="en-US" sz="1200" dirty="0" err="1"/>
+              <a:t>branch_name</a:t>
+            </a:r>
+            <a:endParaRPr lang="en-US" sz="1200" dirty="0"/>
+          </a:p>
+        </p:txBody>
+      </p:sp>
+      <p:sp>
+        <p:nvSpPr>
+          <p:cNvPr id="18" name="Diamond 17">
+            <a:extLst>
+              <a:ext uri="{FF2B5EF4-FFF2-40B4-BE49-F238E27FC236}">
+                <a16:creationId xmlns:a16="http://schemas.microsoft.com/office/drawing/2014/main" id="{AC7FC871-E0D7-6E4C-98E4-DD2AD5A3717D}"/>
+              </a:ext>
+            </a:extLst>
+          </p:cNvPr>
+          <p:cNvSpPr/>
+          <p:nvPr/>
+        </p:nvSpPr>
+        <p:spPr>
+          <a:xfrm>
+            <a:off x="7063892" y="2581021"/>
+            <a:ext cx="361950" cy="495654"/>
+          </a:xfrm>
+          <a:prstGeom prst="diamond">
+            <a:avLst/>
+          </a:prstGeom>
+        </p:spPr>
+        <p:style>
+          <a:lnRef idx="2">
+            <a:schemeClr val="accent1">
+              <a:shade val="50000"/>
+            </a:schemeClr>
+          </a:lnRef>
+          <a:fillRef idx="1">
+            <a:schemeClr val="accent1"/>
+          </a:fillRef>
+          <a:effectRef idx="0">
+            <a:schemeClr val="accent1"/>
+          </a:effectRef>
+          <a:fontRef idx="minor">
+            <a:schemeClr val="lt1"/>
+          </a:fontRef>
+        </p:style>
+        <p:txBody>
+          <a:bodyPr rtlCol="0" anchor="ctr"/>
+          <a:lstStyle/>
+          <a:p>
+            <a:pPr algn="ctr"/>
+            <a:r>
+              <a:rPr lang="en-US" sz="800" dirty="0"/>
+              <a:t>N</a:t>
+            </a:r>
+          </a:p>
+          <a:p>
+            <a:pPr algn="ctr"/>
+            <a:r>
+              <a:rPr lang="en-US" sz="800" dirty="0"/>
+              <a:t>O</a:t>
+            </a:r>
+          </a:p>
+        </p:txBody>
+      </p:sp>
+    </p:spTree>
+    <p:extLst>
+      <p:ext uri="{BB962C8B-B14F-4D97-AF65-F5344CB8AC3E}">
+        <p14:creationId xmlns:p14="http://schemas.microsoft.com/office/powerpoint/2010/main" val="3104184865"/>
+      </p:ext>
+    </p:extLst>
+  </p:cSld>
+  <p:clrMapOvr>
+    <a:masterClrMapping/>
+  </p:clrMapOvr>
+  <p:timing>
+    <p:tnLst>
+      <p:par>
+        <p:cTn id="1" dur="indefinite" restart="never" nodeType="tmRoot">
+          <p:childTnLst>
+            <p:seq concurrent="1" nextAc="seek">
+              <p:cTn id="2" dur="indefinite" nodeType="mainSeq">
+                <p:childTnLst>
+                  <p:par>
+                    <p:cTn id="3" fill="hold">
+                      <p:stCondLst>
+                        <p:cond delay="indefinite"/>
+                      </p:stCondLst>
+                      <p:childTnLst>
+                        <p:par>
+                          <p:cTn id="4" fill="hold">
+                            <p:stCondLst>
+                              <p:cond delay="0"/>
+                            </p:stCondLst>
+                            <p:childTnLst>
+                              <p:par>
+                                <p:cTn id="5" presetID="2" presetClass="entr" presetSubtype="4" fill="hold" grpId="0" nodeType="clickEffect">
+                                  <p:stCondLst>
+                                    <p:cond delay="0"/>
+                                  </p:stCondLst>
+                                  <p:childTnLst>
+                                    <p:set>
+                                      <p:cBhvr>
+                                        <p:cTn id="6" dur="1" fill="hold">
+                                          <p:stCondLst>
+                                            <p:cond delay="0"/>
+                                          </p:stCondLst>
+                                        </p:cTn>
+                                        <p:tgtEl>
+                                          <p:spTgt spid="4"/>
+                                        </p:tgtEl>
+                                        <p:attrNameLst>
+                                          <p:attrName>style.visibility</p:attrName>
+                                        </p:attrNameLst>
+                                      </p:cBhvr>
+                                      <p:to>
+                                        <p:strVal val="visible"/>
+                                      </p:to>
+                                    </p:set>
+                                    <p:anim calcmode="lin" valueType="num">
+                                      <p:cBhvr additive="base">
+                                        <p:cTn id="7" dur="500" fill="hold"/>
+                                        <p:tgtEl>
+                                          <p:spTgt spid="4"/>
+                                        </p:tgtEl>
+                                        <p:attrNameLst>
+                                          <p:attrName>ppt_x</p:attrName>
+                                        </p:attrNameLst>
+                                      </p:cBhvr>
+                                      <p:tavLst>
+                                        <p:tav tm="0">
+                                          <p:val>
+                                            <p:strVal val="#ppt_x"/>
+                                          </p:val>
+                                        </p:tav>
+                                        <p:tav tm="100000">
+                                          <p:val>
+                                            <p:strVal val="#ppt_x"/>
+                                          </p:val>
+                                        </p:tav>
+                                      </p:tavLst>
+                                    </p:anim>
+                                    <p:anim calcmode="lin" valueType="num">
+                                      <p:cBhvr additive="base">
+                                        <p:cTn id="8" dur="500" fill="hold"/>
+                                        <p:tgtEl>
+                                          <p:spTgt spid="4"/>
+                                        </p:tgtEl>
+                                        <p:attrNameLst>
+                                          <p:attrName>ppt_y</p:attrName>
+                                        </p:attrNameLst>
+                                      </p:cBhvr>
+                                      <p:tavLst>
+                                        <p:tav tm="0">
+                                          <p:val>
+                                            <p:strVal val="1+#ppt_h/2"/>
+                                          </p:val>
+                                        </p:tav>
+                                        <p:tav tm="100000">
+                                          <p:val>
+                                            <p:strVal val="#ppt_y"/>
+                                          </p:val>
+                                        </p:tav>
+                                      </p:tavLst>
+                                    </p:anim>
+                                  </p:childTnLst>
+                                </p:cTn>
+                              </p:par>
+                            </p:childTnLst>
+                          </p:cTn>
+                        </p:par>
+                      </p:childTnLst>
+                    </p:cTn>
+                  </p:par>
+                  <p:par>
+                    <p:cTn id="9" fill="hold">
+                      <p:stCondLst>
+                        <p:cond delay="indefinite"/>
+                      </p:stCondLst>
+                      <p:childTnLst>
+                        <p:par>
+                          <p:cTn id="10" fill="hold">
+                            <p:stCondLst>
+                              <p:cond delay="0"/>
+                            </p:stCondLst>
+                            <p:childTnLst>
+                              <p:par>
+                                <p:cTn id="11" presetID="2" presetClass="entr" presetSubtype="4" fill="hold" grpId="0" nodeType="clickEffect">
+                                  <p:stCondLst>
+                                    <p:cond delay="0"/>
+                                  </p:stCondLst>
+                                  <p:childTnLst>
+                                    <p:set>
+                                      <p:cBhvr>
+                                        <p:cTn id="12" dur="1" fill="hold">
+                                          <p:stCondLst>
+                                            <p:cond delay="0"/>
+                                          </p:stCondLst>
+                                        </p:cTn>
+                                        <p:tgtEl>
+                                          <p:spTgt spid="5"/>
+                                        </p:tgtEl>
+                                        <p:attrNameLst>
+                                          <p:attrName>style.visibility</p:attrName>
+                                        </p:attrNameLst>
+                                      </p:cBhvr>
+                                      <p:to>
+                                        <p:strVal val="visible"/>
+                                      </p:to>
+                                    </p:set>
+                                    <p:anim calcmode="lin" valueType="num">
+                                      <p:cBhvr additive="base">
+                                        <p:cTn id="13" dur="500" fill="hold"/>
+                                        <p:tgtEl>
+                                          <p:spTgt spid="5"/>
+                                        </p:tgtEl>
+                                        <p:attrNameLst>
+                                          <p:attrName>ppt_x</p:attrName>
+                                        </p:attrNameLst>
+                                      </p:cBhvr>
+                                      <p:tavLst>
+                                        <p:tav tm="0">
+                                          <p:val>
+                                            <p:strVal val="#ppt_x"/>
+                                          </p:val>
+                                        </p:tav>
+                                        <p:tav tm="100000">
+                                          <p:val>
+                                            <p:strVal val="#ppt_x"/>
+                                          </p:val>
+                                        </p:tav>
+                                      </p:tavLst>
+                                    </p:anim>
+                                    <p:anim calcmode="lin" valueType="num">
+                                      <p:cBhvr additive="base">
+                                        <p:cTn id="14" dur="500" fill="hold"/>
+                                        <p:tgtEl>
+                                          <p:spTgt spid="5"/>
+                                        </p:tgtEl>
+                                        <p:attrNameLst>
+                                          <p:attrName>ppt_y</p:attrName>
+                                        </p:attrNameLst>
+                                      </p:cBhvr>
+                                      <p:tavLst>
+                                        <p:tav tm="0">
+                                          <p:val>
+                                            <p:strVal val="1+#ppt_h/2"/>
+                                          </p:val>
+                                        </p:tav>
+                                        <p:tav tm="100000">
+                                          <p:val>
+                                            <p:strVal val="#ppt_y"/>
+                                          </p:val>
+                                        </p:tav>
+                                      </p:tavLst>
+                                    </p:anim>
+                                  </p:childTnLst>
+                                </p:cTn>
+                              </p:par>
+                            </p:childTnLst>
+                          </p:cTn>
+                        </p:par>
+                      </p:childTnLst>
+                    </p:cTn>
+                  </p:par>
+                  <p:par>
+                    <p:cTn id="15" fill="hold">
+                      <p:stCondLst>
+                        <p:cond delay="indefinite"/>
+                      </p:stCondLst>
+                      <p:childTnLst>
+                        <p:par>
+                          <p:cTn id="16" fill="hold">
+                            <p:stCondLst>
+                              <p:cond delay="0"/>
+                            </p:stCondLst>
+                            <p:childTnLst>
+                              <p:par>
+                                <p:cTn id="17" presetID="2" presetClass="entr" presetSubtype="4" fill="hold" grpId="0" nodeType="clickEffect">
+                                  <p:stCondLst>
+                                    <p:cond delay="0"/>
+                                  </p:stCondLst>
+                                  <p:childTnLst>
+                                    <p:set>
+                                      <p:cBhvr>
+                                        <p:cTn id="18" dur="1" fill="hold">
+                                          <p:stCondLst>
+                                            <p:cond delay="0"/>
+                                          </p:stCondLst>
+                                        </p:cTn>
+                                        <p:tgtEl>
+                                          <p:spTgt spid="9"/>
+                                        </p:tgtEl>
+                                        <p:attrNameLst>
+                                          <p:attrName>style.visibility</p:attrName>
+                                        </p:attrNameLst>
+                                      </p:cBhvr>
+                                      <p:to>
+                                        <p:strVal val="visible"/>
+                                      </p:to>
+                                    </p:set>
+                                    <p:anim calcmode="lin" valueType="num">
+                                      <p:cBhvr additive="base">
+                                        <p:cTn id="19" dur="500" fill="hold"/>
+                                        <p:tgtEl>
+                                          <p:spTgt spid="9"/>
+                                        </p:tgtEl>
+                                        <p:attrNameLst>
+                                          <p:attrName>ppt_x</p:attrName>
+                                        </p:attrNameLst>
+                                      </p:cBhvr>
+                                      <p:tavLst>
+                                        <p:tav tm="0">
+                                          <p:val>
+                                            <p:strVal val="#ppt_x"/>
+                                          </p:val>
+                                        </p:tav>
+                                        <p:tav tm="100000">
+                                          <p:val>
+                                            <p:strVal val="#ppt_x"/>
+                                          </p:val>
+                                        </p:tav>
+                                      </p:tavLst>
+                                    </p:anim>
+                                    <p:anim calcmode="lin" valueType="num">
+                                      <p:cBhvr additive="base">
+                                        <p:cTn id="20" dur="500" fill="hold"/>
+                                        <p:tgtEl>
+                                          <p:spTgt spid="9"/>
+                                        </p:tgtEl>
+                                        <p:attrNameLst>
+                                          <p:attrName>ppt_y</p:attrName>
+                                        </p:attrNameLst>
+                                      </p:cBhvr>
+                                      <p:tavLst>
+                                        <p:tav tm="0">
+                                          <p:val>
+                                            <p:strVal val="1+#ppt_h/2"/>
+                                          </p:val>
+                                        </p:tav>
+                                        <p:tav tm="100000">
+                                          <p:val>
+                                            <p:strVal val="#ppt_y"/>
+                                          </p:val>
+                                        </p:tav>
+                                      </p:tavLst>
+                                    </p:anim>
+                                  </p:childTnLst>
+                                </p:cTn>
+                              </p:par>
+                              <p:par>
+                                <p:cTn id="21" presetID="2" presetClass="entr" presetSubtype="4" fill="hold" grpId="0" nodeType="withEffect">
+                                  <p:stCondLst>
+                                    <p:cond delay="0"/>
+                                  </p:stCondLst>
+                                  <p:childTnLst>
+                                    <p:set>
+                                      <p:cBhvr>
+                                        <p:cTn id="22" dur="1" fill="hold">
+                                          <p:stCondLst>
+                                            <p:cond delay="0"/>
+                                          </p:stCondLst>
+                                        </p:cTn>
+                                        <p:tgtEl>
+                                          <p:spTgt spid="11"/>
+                                        </p:tgtEl>
+                                        <p:attrNameLst>
+                                          <p:attrName>style.visibility</p:attrName>
+                                        </p:attrNameLst>
+                                      </p:cBhvr>
+                                      <p:to>
+                                        <p:strVal val="visible"/>
+                                      </p:to>
+                                    </p:set>
+                                    <p:anim calcmode="lin" valueType="num">
+                                      <p:cBhvr additive="base">
+                                        <p:cTn id="23" dur="500" fill="hold"/>
+                                        <p:tgtEl>
+                                          <p:spTgt spid="11"/>
+                                        </p:tgtEl>
+                                        <p:attrNameLst>
+                                          <p:attrName>ppt_x</p:attrName>
+                                        </p:attrNameLst>
+                                      </p:cBhvr>
+                                      <p:tavLst>
+                                        <p:tav tm="0">
+                                          <p:val>
+                                            <p:strVal val="#ppt_x"/>
+                                          </p:val>
+                                        </p:tav>
+                                        <p:tav tm="100000">
+                                          <p:val>
+                                            <p:strVal val="#ppt_x"/>
+                                          </p:val>
+                                        </p:tav>
+                                      </p:tavLst>
+                                    </p:anim>
+                                    <p:anim calcmode="lin" valueType="num">
+                                      <p:cBhvr additive="base">
+                                        <p:cTn id="24" dur="500" fill="hold"/>
+                                        <p:tgtEl>
+                                          <p:spTgt spid="11"/>
+                                        </p:tgtEl>
+                                        <p:attrNameLst>
+                                          <p:attrName>ppt_y</p:attrName>
+                                        </p:attrNameLst>
+                                      </p:cBhvr>
+                                      <p:tavLst>
+                                        <p:tav tm="0">
+                                          <p:val>
+                                            <p:strVal val="1+#ppt_h/2"/>
+                                          </p:val>
+                                        </p:tav>
+                                        <p:tav tm="100000">
+                                          <p:val>
+                                            <p:strVal val="#ppt_y"/>
+                                          </p:val>
+                                        </p:tav>
+                                      </p:tavLst>
+                                    </p:anim>
+                                  </p:childTnLst>
+                                </p:cTn>
+                              </p:par>
+                            </p:childTnLst>
+                          </p:cTn>
+                        </p:par>
+                      </p:childTnLst>
+                    </p:cTn>
+                  </p:par>
+                  <p:par>
+                    <p:cTn id="25" fill="hold">
+                      <p:stCondLst>
+                        <p:cond delay="indefinite"/>
+                      </p:stCondLst>
+                      <p:childTnLst>
+                        <p:par>
+                          <p:cTn id="26" fill="hold">
+                            <p:stCondLst>
+                              <p:cond delay="0"/>
+                            </p:stCondLst>
+                            <p:childTnLst>
+                              <p:par>
+                                <p:cTn id="27" presetID="2" presetClass="entr" presetSubtype="4" fill="hold" grpId="0" nodeType="clickEffect">
+                                  <p:stCondLst>
+                                    <p:cond delay="0"/>
+                                  </p:stCondLst>
+                                  <p:childTnLst>
+                                    <p:set>
+                                      <p:cBhvr>
+                                        <p:cTn id="28" dur="1" fill="hold">
+                                          <p:stCondLst>
+                                            <p:cond delay="0"/>
+                                          </p:stCondLst>
+                                        </p:cTn>
+                                        <p:tgtEl>
+                                          <p:spTgt spid="13"/>
+                                        </p:tgtEl>
+                                        <p:attrNameLst>
+                                          <p:attrName>style.visibility</p:attrName>
+                                        </p:attrNameLst>
+                                      </p:cBhvr>
+                                      <p:to>
+                                        <p:strVal val="visible"/>
+                                      </p:to>
+                                    </p:set>
+                                    <p:anim calcmode="lin" valueType="num">
+                                      <p:cBhvr additive="base">
+                                        <p:cTn id="29" dur="500" fill="hold"/>
+                                        <p:tgtEl>
+                                          <p:spTgt spid="13"/>
+                                        </p:tgtEl>
+                                        <p:attrNameLst>
+                                          <p:attrName>ppt_x</p:attrName>
+                                        </p:attrNameLst>
+                                      </p:cBhvr>
+                                      <p:tavLst>
+                                        <p:tav tm="0">
+                                          <p:val>
+                                            <p:strVal val="#ppt_x"/>
+                                          </p:val>
+                                        </p:tav>
+                                        <p:tav tm="100000">
+                                          <p:val>
+                                            <p:strVal val="#ppt_x"/>
+                                          </p:val>
+                                        </p:tav>
+                                      </p:tavLst>
+                                    </p:anim>
+                                    <p:anim calcmode="lin" valueType="num">
+                                      <p:cBhvr additive="base">
+                                        <p:cTn id="30" dur="500" fill="hold"/>
+                                        <p:tgtEl>
+                                          <p:spTgt spid="13"/>
+                                        </p:tgtEl>
+                                        <p:attrNameLst>
+                                          <p:attrName>ppt_y</p:attrName>
+                                        </p:attrNameLst>
+                                      </p:cBhvr>
+                                      <p:tavLst>
+                                        <p:tav tm="0">
+                                          <p:val>
+                                            <p:strVal val="1+#ppt_h/2"/>
+                                          </p:val>
+                                        </p:tav>
+                                        <p:tav tm="100000">
+                                          <p:val>
+                                            <p:strVal val="#ppt_y"/>
+                                          </p:val>
+                                        </p:tav>
+                                      </p:tavLst>
+                                    </p:anim>
+                                  </p:childTnLst>
+                                </p:cTn>
+                              </p:par>
+                              <p:par>
+                                <p:cTn id="31" presetID="2" presetClass="entr" presetSubtype="4" fill="hold" grpId="0" nodeType="withEffect">
+                                  <p:stCondLst>
+                                    <p:cond delay="0"/>
+                                  </p:stCondLst>
+                                  <p:childTnLst>
+                                    <p:set>
+                                      <p:cBhvr>
+                                        <p:cTn id="32" dur="1" fill="hold">
+                                          <p:stCondLst>
+                                            <p:cond delay="0"/>
+                                          </p:stCondLst>
+                                        </p:cTn>
+                                        <p:tgtEl>
+                                          <p:spTgt spid="12"/>
+                                        </p:tgtEl>
+                                        <p:attrNameLst>
+                                          <p:attrName>style.visibility</p:attrName>
+                                        </p:attrNameLst>
+                                      </p:cBhvr>
+                                      <p:to>
+                                        <p:strVal val="visible"/>
+                                      </p:to>
+                                    </p:set>
+                                    <p:anim calcmode="lin" valueType="num">
+                                      <p:cBhvr additive="base">
+                                        <p:cTn id="33" dur="500" fill="hold"/>
+                                        <p:tgtEl>
+                                          <p:spTgt spid="12"/>
+                                        </p:tgtEl>
+                                        <p:attrNameLst>
+                                          <p:attrName>ppt_x</p:attrName>
+                                        </p:attrNameLst>
+                                      </p:cBhvr>
+                                      <p:tavLst>
+                                        <p:tav tm="0">
+                                          <p:val>
+                                            <p:strVal val="#ppt_x"/>
+                                          </p:val>
+                                        </p:tav>
+                                        <p:tav tm="100000">
+                                          <p:val>
+                                            <p:strVal val="#ppt_x"/>
+                                          </p:val>
+                                        </p:tav>
+                                      </p:tavLst>
+                                    </p:anim>
+                                    <p:anim calcmode="lin" valueType="num">
+                                      <p:cBhvr additive="base">
+                                        <p:cTn id="34" dur="500" fill="hold"/>
+                                        <p:tgtEl>
+                                          <p:spTgt spid="12"/>
+                                        </p:tgtEl>
+                                        <p:attrNameLst>
+                                          <p:attrName>ppt_y</p:attrName>
+                                        </p:attrNameLst>
+                                      </p:cBhvr>
+                                      <p:tavLst>
+                                        <p:tav tm="0">
+                                          <p:val>
+                                            <p:strVal val="1+#ppt_h/2"/>
+                                          </p:val>
+                                        </p:tav>
+                                        <p:tav tm="100000">
+                                          <p:val>
+                                            <p:strVal val="#ppt_y"/>
+                                          </p:val>
+                                        </p:tav>
+                                      </p:tavLst>
+                                    </p:anim>
+                                  </p:childTnLst>
+                                </p:cTn>
+                              </p:par>
+                              <p:par>
+                                <p:cTn id="35" presetID="2" presetClass="entr" presetSubtype="4" fill="hold" grpId="0" nodeType="withEffect">
+                                  <p:stCondLst>
+                                    <p:cond delay="0"/>
+                                  </p:stCondLst>
+                                  <p:childTnLst>
+                                    <p:set>
+                                      <p:cBhvr>
+                                        <p:cTn id="36" dur="1" fill="hold">
+                                          <p:stCondLst>
+                                            <p:cond delay="0"/>
+                                          </p:stCondLst>
+                                        </p:cTn>
+                                        <p:tgtEl>
+                                          <p:spTgt spid="14"/>
+                                        </p:tgtEl>
+                                        <p:attrNameLst>
+                                          <p:attrName>style.visibility</p:attrName>
+                                        </p:attrNameLst>
+                                      </p:cBhvr>
+                                      <p:to>
+                                        <p:strVal val="visible"/>
+                                      </p:to>
+                                    </p:set>
+                                    <p:anim calcmode="lin" valueType="num">
+                                      <p:cBhvr additive="base">
+                                        <p:cTn id="37" dur="500" fill="hold"/>
+                                        <p:tgtEl>
+                                          <p:spTgt spid="14"/>
+                                        </p:tgtEl>
+                                        <p:attrNameLst>
+                                          <p:attrName>ppt_x</p:attrName>
+                                        </p:attrNameLst>
+                                      </p:cBhvr>
+                                      <p:tavLst>
+                                        <p:tav tm="0">
+                                          <p:val>
+                                            <p:strVal val="#ppt_x"/>
+                                          </p:val>
+                                        </p:tav>
+                                        <p:tav tm="100000">
+                                          <p:val>
+                                            <p:strVal val="#ppt_x"/>
+                                          </p:val>
+                                        </p:tav>
+                                      </p:tavLst>
+                                    </p:anim>
+                                    <p:anim calcmode="lin" valueType="num">
+                                      <p:cBhvr additive="base">
+                                        <p:cTn id="38" dur="500" fill="hold"/>
+                                        <p:tgtEl>
+                                          <p:spTgt spid="14"/>
+                                        </p:tgtEl>
+                                        <p:attrNameLst>
+                                          <p:attrName>ppt_y</p:attrName>
+                                        </p:attrNameLst>
+                                      </p:cBhvr>
+                                      <p:tavLst>
+                                        <p:tav tm="0">
+                                          <p:val>
+                                            <p:strVal val="1+#ppt_h/2"/>
+                                          </p:val>
+                                        </p:tav>
+                                        <p:tav tm="100000">
+                                          <p:val>
+                                            <p:strVal val="#ppt_y"/>
+                                          </p:val>
+                                        </p:tav>
+                                      </p:tavLst>
+                                    </p:anim>
+                                  </p:childTnLst>
+                                </p:cTn>
+                              </p:par>
+                            </p:childTnLst>
+                          </p:cTn>
+                        </p:par>
+                      </p:childTnLst>
+                    </p:cTn>
+                  </p:par>
+                  <p:par>
+                    <p:cTn id="39" fill="hold">
+                      <p:stCondLst>
+                        <p:cond delay="indefinite"/>
+                      </p:stCondLst>
+                      <p:childTnLst>
+                        <p:par>
+                          <p:cTn id="40" fill="hold">
+                            <p:stCondLst>
+                              <p:cond delay="0"/>
+                            </p:stCondLst>
+                            <p:childTnLst>
+                              <p:par>
+                                <p:cTn id="41" presetID="2" presetClass="entr" presetSubtype="4" fill="hold" grpId="0" nodeType="clickEffect">
+                                  <p:stCondLst>
+                                    <p:cond delay="0"/>
+                                  </p:stCondLst>
+                                  <p:childTnLst>
+                                    <p:set>
+                                      <p:cBhvr>
+                                        <p:cTn id="42" dur="1" fill="hold">
+                                          <p:stCondLst>
+                                            <p:cond delay="0"/>
+                                          </p:stCondLst>
+                                        </p:cTn>
+                                        <p:tgtEl>
+                                          <p:spTgt spid="7"/>
+                                        </p:tgtEl>
+                                        <p:attrNameLst>
+                                          <p:attrName>style.visibility</p:attrName>
+                                        </p:attrNameLst>
+                                      </p:cBhvr>
+                                      <p:to>
+                                        <p:strVal val="visible"/>
+                                      </p:to>
+                                    </p:set>
+                                    <p:anim calcmode="lin" valueType="num">
+                                      <p:cBhvr additive="base">
+                                        <p:cTn id="43" dur="500" fill="hold"/>
+                                        <p:tgtEl>
+                                          <p:spTgt spid="7"/>
+                                        </p:tgtEl>
+                                        <p:attrNameLst>
+                                          <p:attrName>ppt_x</p:attrName>
+                                        </p:attrNameLst>
+                                      </p:cBhvr>
+                                      <p:tavLst>
+                                        <p:tav tm="0">
+                                          <p:val>
+                                            <p:strVal val="#ppt_x"/>
+                                          </p:val>
+                                        </p:tav>
+                                        <p:tav tm="100000">
+                                          <p:val>
+                                            <p:strVal val="#ppt_x"/>
+                                          </p:val>
+                                        </p:tav>
+                                      </p:tavLst>
+                                    </p:anim>
+                                    <p:anim calcmode="lin" valueType="num">
+                                      <p:cBhvr additive="base">
+                                        <p:cTn id="44" dur="500" fill="hold"/>
+                                        <p:tgtEl>
+                                          <p:spTgt spid="7"/>
+                                        </p:tgtEl>
+                                        <p:attrNameLst>
+                                          <p:attrName>ppt_y</p:attrName>
+                                        </p:attrNameLst>
+                                      </p:cBhvr>
+                                      <p:tavLst>
+                                        <p:tav tm="0">
+                                          <p:val>
+                                            <p:strVal val="1+#ppt_h/2"/>
+                                          </p:val>
+                                        </p:tav>
+                                        <p:tav tm="100000">
+                                          <p:val>
+                                            <p:strVal val="#ppt_y"/>
+                                          </p:val>
+                                        </p:tav>
+                                      </p:tavLst>
+                                    </p:anim>
+                                  </p:childTnLst>
+                                </p:cTn>
+                              </p:par>
+                              <p:par>
+                                <p:cTn id="45" presetID="2" presetClass="entr" presetSubtype="4" fill="hold" grpId="0" nodeType="withEffect">
+                                  <p:stCondLst>
+                                    <p:cond delay="0"/>
+                                  </p:stCondLst>
+                                  <p:childTnLst>
+                                    <p:set>
+                                      <p:cBhvr>
+                                        <p:cTn id="46" dur="1" fill="hold">
+                                          <p:stCondLst>
+                                            <p:cond delay="0"/>
+                                          </p:stCondLst>
+                                        </p:cTn>
+                                        <p:tgtEl>
+                                          <p:spTgt spid="6"/>
+                                        </p:tgtEl>
+                                        <p:attrNameLst>
+                                          <p:attrName>style.visibility</p:attrName>
+                                        </p:attrNameLst>
+                                      </p:cBhvr>
+                                      <p:to>
+                                        <p:strVal val="visible"/>
+                                      </p:to>
+                                    </p:set>
+                                    <p:anim calcmode="lin" valueType="num">
+                                      <p:cBhvr additive="base">
+                                        <p:cTn id="47" dur="500" fill="hold"/>
+                                        <p:tgtEl>
+                                          <p:spTgt spid="6"/>
+                                        </p:tgtEl>
+                                        <p:attrNameLst>
+                                          <p:attrName>ppt_x</p:attrName>
+                                        </p:attrNameLst>
+                                      </p:cBhvr>
+                                      <p:tavLst>
+                                        <p:tav tm="0">
+                                          <p:val>
+                                            <p:strVal val="#ppt_x"/>
+                                          </p:val>
+                                        </p:tav>
+                                        <p:tav tm="100000">
+                                          <p:val>
+                                            <p:strVal val="#ppt_x"/>
+                                          </p:val>
+                                        </p:tav>
+                                      </p:tavLst>
+                                    </p:anim>
+                                    <p:anim calcmode="lin" valueType="num">
+                                      <p:cBhvr additive="base">
+                                        <p:cTn id="48" dur="500" fill="hold"/>
+                                        <p:tgtEl>
+                                          <p:spTgt spid="6"/>
+                                        </p:tgtEl>
+                                        <p:attrNameLst>
+                                          <p:attrName>ppt_y</p:attrName>
+                                        </p:attrNameLst>
+                                      </p:cBhvr>
+                                      <p:tavLst>
+                                        <p:tav tm="0">
+                                          <p:val>
+                                            <p:strVal val="1+#ppt_h/2"/>
+                                          </p:val>
+                                        </p:tav>
+                                        <p:tav tm="100000">
+                                          <p:val>
+                                            <p:strVal val="#ppt_y"/>
+                                          </p:val>
+                                        </p:tav>
+                                      </p:tavLst>
+                                    </p:anim>
+                                  </p:childTnLst>
+                                </p:cTn>
+                              </p:par>
+                              <p:par>
+                                <p:cTn id="49" presetID="2" presetClass="entr" presetSubtype="4" fill="hold" grpId="0" nodeType="withEffect">
+                                  <p:stCondLst>
+                                    <p:cond delay="0"/>
+                                  </p:stCondLst>
+                                  <p:childTnLst>
+                                    <p:set>
+                                      <p:cBhvr>
+                                        <p:cTn id="50" dur="1" fill="hold">
+                                          <p:stCondLst>
+                                            <p:cond delay="0"/>
+                                          </p:stCondLst>
+                                        </p:cTn>
+                                        <p:tgtEl>
+                                          <p:spTgt spid="8"/>
+                                        </p:tgtEl>
+                                        <p:attrNameLst>
+                                          <p:attrName>style.visibility</p:attrName>
+                                        </p:attrNameLst>
+                                      </p:cBhvr>
+                                      <p:to>
+                                        <p:strVal val="visible"/>
+                                      </p:to>
+                                    </p:set>
+                                    <p:anim calcmode="lin" valueType="num">
+                                      <p:cBhvr additive="base">
+                                        <p:cTn id="51" dur="500" fill="hold"/>
+                                        <p:tgtEl>
+                                          <p:spTgt spid="8"/>
+                                        </p:tgtEl>
+                                        <p:attrNameLst>
+                                          <p:attrName>ppt_x</p:attrName>
+                                        </p:attrNameLst>
+                                      </p:cBhvr>
+                                      <p:tavLst>
+                                        <p:tav tm="0">
+                                          <p:val>
+                                            <p:strVal val="#ppt_x"/>
+                                          </p:val>
+                                        </p:tav>
+                                        <p:tav tm="100000">
+                                          <p:val>
+                                            <p:strVal val="#ppt_x"/>
+                                          </p:val>
+                                        </p:tav>
+                                      </p:tavLst>
+                                    </p:anim>
+                                    <p:anim calcmode="lin" valueType="num">
+                                      <p:cBhvr additive="base">
+                                        <p:cTn id="52" dur="500" fill="hold"/>
+                                        <p:tgtEl>
+                                          <p:spTgt spid="8"/>
+                                        </p:tgtEl>
+                                        <p:attrNameLst>
+                                          <p:attrName>ppt_y</p:attrName>
+                                        </p:attrNameLst>
+                                      </p:cBhvr>
+                                      <p:tavLst>
+                                        <p:tav tm="0">
+                                          <p:val>
+                                            <p:strVal val="1+#ppt_h/2"/>
+                                          </p:val>
+                                        </p:tav>
+                                        <p:tav tm="100000">
+                                          <p:val>
+                                            <p:strVal val="#ppt_y"/>
+                                          </p:val>
+                                        </p:tav>
+                                      </p:tavLst>
+                                    </p:anim>
+                                  </p:childTnLst>
+                                </p:cTn>
+                              </p:par>
+                            </p:childTnLst>
+                          </p:cTn>
+                        </p:par>
+                      </p:childTnLst>
+                    </p:cTn>
+                  </p:par>
+                  <p:par>
+                    <p:cTn id="53" fill="hold">
+                      <p:stCondLst>
+                        <p:cond delay="indefinite"/>
+                      </p:stCondLst>
+                      <p:childTnLst>
+                        <p:par>
+                          <p:cTn id="54" fill="hold">
+                            <p:stCondLst>
+                              <p:cond delay="0"/>
+                            </p:stCondLst>
+                            <p:childTnLst>
+                              <p:par>
+                                <p:cTn id="55" presetID="2" presetClass="entr" presetSubtype="4" fill="hold" grpId="0" nodeType="clickEffect">
+                                  <p:stCondLst>
+                                    <p:cond delay="0"/>
+                                  </p:stCondLst>
+                                  <p:childTnLst>
+                                    <p:set>
+                                      <p:cBhvr>
+                                        <p:cTn id="56" dur="1" fill="hold">
+                                          <p:stCondLst>
+                                            <p:cond delay="0"/>
+                                          </p:stCondLst>
+                                        </p:cTn>
+                                        <p:tgtEl>
+                                          <p:spTgt spid="15"/>
+                                        </p:tgtEl>
+                                        <p:attrNameLst>
+                                          <p:attrName>style.visibility</p:attrName>
+                                        </p:attrNameLst>
+                                      </p:cBhvr>
+                                      <p:to>
+                                        <p:strVal val="visible"/>
+                                      </p:to>
+                                    </p:set>
+                                    <p:anim calcmode="lin" valueType="num">
+                                      <p:cBhvr additive="base">
+                                        <p:cTn id="57" dur="500" fill="hold"/>
+                                        <p:tgtEl>
+                                          <p:spTgt spid="15"/>
+                                        </p:tgtEl>
+                                        <p:attrNameLst>
+                                          <p:attrName>ppt_x</p:attrName>
+                                        </p:attrNameLst>
+                                      </p:cBhvr>
+                                      <p:tavLst>
+                                        <p:tav tm="0">
+                                          <p:val>
+                                            <p:strVal val="#ppt_x"/>
+                                          </p:val>
+                                        </p:tav>
+                                        <p:tav tm="100000">
+                                          <p:val>
+                                            <p:strVal val="#ppt_x"/>
+                                          </p:val>
+                                        </p:tav>
+                                      </p:tavLst>
+                                    </p:anim>
+                                    <p:anim calcmode="lin" valueType="num">
+                                      <p:cBhvr additive="base">
+                                        <p:cTn id="58" dur="500" fill="hold"/>
+                                        <p:tgtEl>
+                                          <p:spTgt spid="15"/>
+                                        </p:tgtEl>
+                                        <p:attrNameLst>
+                                          <p:attrName>ppt_y</p:attrName>
+                                        </p:attrNameLst>
+                                      </p:cBhvr>
+                                      <p:tavLst>
+                                        <p:tav tm="0">
+                                          <p:val>
+                                            <p:strVal val="1+#ppt_h/2"/>
+                                          </p:val>
+                                        </p:tav>
+                                        <p:tav tm="100000">
+                                          <p:val>
+                                            <p:strVal val="#ppt_y"/>
+                                          </p:val>
+                                        </p:tav>
+                                      </p:tavLst>
+                                    </p:anim>
+                                  </p:childTnLst>
+                                </p:cTn>
+                              </p:par>
+                              <p:par>
+                                <p:cTn id="59" presetID="2" presetClass="entr" presetSubtype="4" fill="hold" grpId="0" nodeType="withEffect">
+                                  <p:stCondLst>
+                                    <p:cond delay="0"/>
+                                  </p:stCondLst>
+                                  <p:childTnLst>
+                                    <p:set>
+                                      <p:cBhvr>
+                                        <p:cTn id="60" dur="1" fill="hold">
+                                          <p:stCondLst>
+                                            <p:cond delay="0"/>
+                                          </p:stCondLst>
+                                        </p:cTn>
+                                        <p:tgtEl>
+                                          <p:spTgt spid="18"/>
+                                        </p:tgtEl>
+                                        <p:attrNameLst>
+                                          <p:attrName>style.visibility</p:attrName>
+                                        </p:attrNameLst>
+                                      </p:cBhvr>
+                                      <p:to>
+                                        <p:strVal val="visible"/>
+                                      </p:to>
+                                    </p:set>
+                                    <p:anim calcmode="lin" valueType="num">
+                                      <p:cBhvr additive="base">
+                                        <p:cTn id="61" dur="500" fill="hold"/>
+                                        <p:tgtEl>
+                                          <p:spTgt spid="18"/>
+                                        </p:tgtEl>
+                                        <p:attrNameLst>
+                                          <p:attrName>ppt_x</p:attrName>
+                                        </p:attrNameLst>
+                                      </p:cBhvr>
+                                      <p:tavLst>
+                                        <p:tav tm="0">
+                                          <p:val>
+                                            <p:strVal val="#ppt_x"/>
+                                          </p:val>
+                                        </p:tav>
+                                        <p:tav tm="100000">
+                                          <p:val>
+                                            <p:strVal val="#ppt_x"/>
+                                          </p:val>
+                                        </p:tav>
+                                      </p:tavLst>
+                                    </p:anim>
+                                    <p:anim calcmode="lin" valueType="num">
+                                      <p:cBhvr additive="base">
+                                        <p:cTn id="62" dur="500" fill="hold"/>
+                                        <p:tgtEl>
+                                          <p:spTgt spid="18"/>
+                                        </p:tgtEl>
+                                        <p:attrNameLst>
+                                          <p:attrName>ppt_y</p:attrName>
+                                        </p:attrNameLst>
+                                      </p:cBhvr>
+                                      <p:tavLst>
+                                        <p:tav tm="0">
+                                          <p:val>
+                                            <p:strVal val="1+#ppt_h/2"/>
+                                          </p:val>
+                                        </p:tav>
+                                        <p:tav tm="100000">
+                                          <p:val>
+                                            <p:strVal val="#ppt_y"/>
+                                          </p:val>
+                                        </p:tav>
+                                      </p:tavLst>
+                                    </p:anim>
+                                  </p:childTnLst>
+                                </p:cTn>
+                              </p:par>
+                            </p:childTnLst>
+                          </p:cTn>
+                        </p:par>
+                      </p:childTnLst>
+                    </p:cTn>
+                  </p:par>
+                  <p:par>
+                    <p:cTn id="63" fill="hold">
+                      <p:stCondLst>
+                        <p:cond delay="indefinite"/>
+                      </p:stCondLst>
+                      <p:childTnLst>
+                        <p:par>
+                          <p:cTn id="64" fill="hold">
+                            <p:stCondLst>
+                              <p:cond delay="0"/>
+                            </p:stCondLst>
+                            <p:childTnLst>
+                              <p:par>
+                                <p:cTn id="65" presetID="2" presetClass="entr" presetSubtype="4" fill="hold" grpId="0" nodeType="clickEffect">
+                                  <p:stCondLst>
+                                    <p:cond delay="0"/>
+                                  </p:stCondLst>
+                                  <p:childTnLst>
+                                    <p:set>
+                                      <p:cBhvr>
+                                        <p:cTn id="66" dur="1" fill="hold">
+                                          <p:stCondLst>
+                                            <p:cond delay="0"/>
+                                          </p:stCondLst>
+                                        </p:cTn>
+                                        <p:tgtEl>
+                                          <p:spTgt spid="16"/>
+                                        </p:tgtEl>
+                                        <p:attrNameLst>
+                                          <p:attrName>style.visibility</p:attrName>
+                                        </p:attrNameLst>
+                                      </p:cBhvr>
+                                      <p:to>
+                                        <p:strVal val="visible"/>
+                                      </p:to>
+                                    </p:set>
+                                    <p:anim calcmode="lin" valueType="num">
+                                      <p:cBhvr additive="base">
+                                        <p:cTn id="67" dur="500" fill="hold"/>
+                                        <p:tgtEl>
+                                          <p:spTgt spid="16"/>
+                                        </p:tgtEl>
+                                        <p:attrNameLst>
+                                          <p:attrName>ppt_x</p:attrName>
+                                        </p:attrNameLst>
+                                      </p:cBhvr>
+                                      <p:tavLst>
+                                        <p:tav tm="0">
+                                          <p:val>
+                                            <p:strVal val="#ppt_x"/>
+                                          </p:val>
+                                        </p:tav>
+                                        <p:tav tm="100000">
+                                          <p:val>
+                                            <p:strVal val="#ppt_x"/>
+                                          </p:val>
+                                        </p:tav>
+                                      </p:tavLst>
+                                    </p:anim>
+                                    <p:anim calcmode="lin" valueType="num">
+                                      <p:cBhvr additive="base">
+                                        <p:cTn id="68" dur="500" fill="hold"/>
+                                        <p:tgtEl>
+                                          <p:spTgt spid="16"/>
+                                        </p:tgtEl>
+                                        <p:attrNameLst>
+                                          <p:attrName>ppt_y</p:attrName>
+                                        </p:attrNameLst>
+                                      </p:cBhvr>
+                                      <p:tavLst>
+                                        <p:tav tm="0">
+                                          <p:val>
+                                            <p:strVal val="1+#ppt_h/2"/>
+                                          </p:val>
+                                        </p:tav>
+                                        <p:tav tm="100000">
+                                          <p:val>
+                                            <p:strVal val="#ppt_y"/>
+                                          </p:val>
+                                        </p:tav>
+                                      </p:tavLst>
+                                    </p:anim>
+                                  </p:childTnLst>
+                                </p:cTn>
+                              </p:par>
+                              <p:par>
+                                <p:cTn id="69" presetID="2" presetClass="entr" presetSubtype="4" fill="hold" grpId="0" nodeType="withEffect">
+                                  <p:stCondLst>
+                                    <p:cond delay="0"/>
+                                  </p:stCondLst>
+                                  <p:childTnLst>
+                                    <p:set>
+                                      <p:cBhvr>
+                                        <p:cTn id="70" dur="1" fill="hold">
+                                          <p:stCondLst>
+                                            <p:cond delay="0"/>
+                                          </p:stCondLst>
+                                        </p:cTn>
+                                        <p:tgtEl>
+                                          <p:spTgt spid="17"/>
+                                        </p:tgtEl>
+                                        <p:attrNameLst>
+                                          <p:attrName>style.visibility</p:attrName>
+                                        </p:attrNameLst>
+                                      </p:cBhvr>
+                                      <p:to>
+                                        <p:strVal val="visible"/>
+                                      </p:to>
+                                    </p:set>
+                                    <p:anim calcmode="lin" valueType="num">
+                                      <p:cBhvr additive="base">
+                                        <p:cTn id="71" dur="500" fill="hold"/>
+                                        <p:tgtEl>
+                                          <p:spTgt spid="17"/>
+                                        </p:tgtEl>
+                                        <p:attrNameLst>
+                                          <p:attrName>ppt_x</p:attrName>
+                                        </p:attrNameLst>
+                                      </p:cBhvr>
+                                      <p:tavLst>
+                                        <p:tav tm="0">
+                                          <p:val>
+                                            <p:strVal val="#ppt_x"/>
+                                          </p:val>
+                                        </p:tav>
+                                        <p:tav tm="100000">
+                                          <p:val>
+                                            <p:strVal val="#ppt_x"/>
+                                          </p:val>
+                                        </p:tav>
+                                      </p:tavLst>
+                                    </p:anim>
+                                    <p:anim calcmode="lin" valueType="num">
+                                      <p:cBhvr additive="base">
+                                        <p:cTn id="72" dur="500" fill="hold"/>
+                                        <p:tgtEl>
+                                          <p:spTgt spid="17"/>
+                                        </p:tgtEl>
+                                        <p:attrNameLst>
+                                          <p:attrName>ppt_y</p:attrName>
+                                        </p:attrNameLst>
+                                      </p:cBhvr>
+                                      <p:tavLst>
+                                        <p:tav tm="0">
+                                          <p:val>
+                                            <p:strVal val="1+#ppt_h/2"/>
+                                          </p:val>
+                                        </p:tav>
+                                        <p:tav tm="100000">
+                                          <p:val>
+                                            <p:strVal val="#ppt_y"/>
+                                          </p:val>
+                                        </p:tav>
+                                      </p:tavLst>
+                                    </p:anim>
+                                  </p:childTnLst>
+                                </p:cTn>
+                              </p:par>
+                            </p:childTnLst>
+                          </p:cTn>
+                        </p:par>
+                      </p:childTnLst>
+                    </p:cTn>
+                  </p:par>
+                </p:childTnLst>
+              </p:cTn>
+              <p:prevCondLst>
+                <p:cond evt="onPrev" delay="0">
+                  <p:tgtEl>
+                    <p:sldTgt/>
+                  </p:tgtEl>
+                </p:cond>
+              </p:prevCondLst>
+              <p:nextCondLst>
+                <p:cond evt="onNext" delay="0">
+                  <p:tgtEl>
+                    <p:sldTgt/>
+                  </p:tgtEl>
+                </p:cond>
+              </p:nextCondLst>
+            </p:seq>
+          </p:childTnLst>
+        </p:cTn>
+      </p:par>
+    </p:tnLst>
+    <p:bldLst>
+      <p:bldP spid="4" grpId="0" animBg="1"/>
+      <p:bldP spid="5" grpId="0" animBg="1"/>
+      <p:bldP spid="6" grpId="0" animBg="1"/>
+      <p:bldP spid="7" grpId="0" animBg="1"/>
+      <p:bldP spid="8" grpId="0" animBg="1"/>
+      <p:bldP spid="9" grpId="0" animBg="1"/>
+      <p:bldP spid="11" grpId="0" animBg="1"/>
+      <p:bldP spid="12" grpId="0" animBg="1"/>
+      <p:bldP spid="13" grpId="0" animBg="1"/>
+      <p:bldP spid="14" grpId="0" animBg="1"/>
+      <p:bldP spid="15" grpId="0" animBg="1"/>
+      <p:bldP spid="16" grpId="0" animBg="1"/>
+      <p:bldP spid="17" grpId="0" animBg="1"/>
+      <p:bldP spid="18" grpId="0" animBg="1"/>
+    </p:bldLst>
+  </p:timing>
+</p:sld>
+</file>
+
 <file path=ppt/theme/theme1.xml><?xml version="1.0" encoding="utf-8"?>
 <a:theme xmlns:a="http://schemas.openxmlformats.org/drawingml/2006/main" name="Office Theme">
   <a:themeElements>
